--- a/2. Solving Recurrences/Substitution Method.pptx
+++ b/2. Solving Recurrences/Substitution Method.pptx
@@ -109,6 +109,11 @@
       </a:defRPr>
     </a:lvl9pPr>
   </p:defaultTextStyle>
+  <p:extLst>
+    <p:ext uri="{EFAFB233-063F-42B5-8137-9DF3F51BA10A}">
+      <p15:sldGuideLst xmlns:p15="http://schemas.microsoft.com/office/powerpoint/2012/main"/>
+    </p:ext>
+  </p:extLst>
 </p:presentation>
 </file>
 
@@ -259,7 +264,7 @@
           <a:p>
             <a:fld id="{C557F1B9-559A-4FCE-8EA9-0CFE957C52A1}" type="datetimeFigureOut">
               <a:rPr lang="en-US" smtClean="0"/>
-              <a:t>1/4/2022</a:t>
+              <a:t>1/9/2022</a:t>
             </a:fld>
             <a:endParaRPr lang="en-US"/>
           </a:p>
@@ -329,13 +334,13 @@
   <p:clrMapOvr>
     <a:masterClrMapping/>
   </p:clrMapOvr>
-  <mc:AlternateContent xmlns:mc="http://schemas.openxmlformats.org/markup-compatibility/2006">
-    <mc:Choice xmlns:p159="http://schemas.microsoft.com/office/powerpoint/2015/09/main" Requires="p159">
+  <mc:AlternateContent xmlns:mc="http://schemas.openxmlformats.org/markup-compatibility/2006" xmlns:p159="http://schemas.microsoft.com/office/powerpoint/2015/09/main">
+    <mc:Choice Requires="p159">
       <p:transition>
         <p159:morph option="byObject"/>
       </p:transition>
     </mc:Choice>
-    <mc:Fallback>
+    <mc:Fallback xmlns="">
       <p:transition>
         <p:fade/>
       </p:transition>
@@ -469,7 +474,7 @@
           <a:p>
             <a:fld id="{C557F1B9-559A-4FCE-8EA9-0CFE957C52A1}" type="datetimeFigureOut">
               <a:rPr lang="en-US" smtClean="0"/>
-              <a:t>1/4/2022</a:t>
+              <a:t>1/9/2022</a:t>
             </a:fld>
             <a:endParaRPr lang="en-US"/>
           </a:p>
@@ -539,13 +544,13 @@
   <p:clrMapOvr>
     <a:masterClrMapping/>
   </p:clrMapOvr>
-  <mc:AlternateContent xmlns:mc="http://schemas.openxmlformats.org/markup-compatibility/2006">
-    <mc:Choice xmlns:p159="http://schemas.microsoft.com/office/powerpoint/2015/09/main" Requires="p159">
+  <mc:AlternateContent xmlns:mc="http://schemas.openxmlformats.org/markup-compatibility/2006" xmlns:p159="http://schemas.microsoft.com/office/powerpoint/2015/09/main">
+    <mc:Choice Requires="p159">
       <p:transition>
         <p159:morph option="byObject"/>
       </p:transition>
     </mc:Choice>
-    <mc:Fallback>
+    <mc:Fallback xmlns="">
       <p:transition>
         <p:fade/>
       </p:transition>
@@ -689,7 +694,7 @@
           <a:p>
             <a:fld id="{C557F1B9-559A-4FCE-8EA9-0CFE957C52A1}" type="datetimeFigureOut">
               <a:rPr lang="en-US" smtClean="0"/>
-              <a:t>1/4/2022</a:t>
+              <a:t>1/9/2022</a:t>
             </a:fld>
             <a:endParaRPr lang="en-US"/>
           </a:p>
@@ -759,13 +764,13 @@
   <p:clrMapOvr>
     <a:masterClrMapping/>
   </p:clrMapOvr>
-  <mc:AlternateContent xmlns:mc="http://schemas.openxmlformats.org/markup-compatibility/2006">
-    <mc:Choice xmlns:p159="http://schemas.microsoft.com/office/powerpoint/2015/09/main" Requires="p159">
+  <mc:AlternateContent xmlns:mc="http://schemas.openxmlformats.org/markup-compatibility/2006" xmlns:p159="http://schemas.microsoft.com/office/powerpoint/2015/09/main">
+    <mc:Choice Requires="p159">
       <p:transition>
         <p159:morph option="byObject"/>
       </p:transition>
     </mc:Choice>
-    <mc:Fallback>
+    <mc:Fallback xmlns="">
       <p:transition>
         <p:fade/>
       </p:transition>
@@ -899,7 +904,7 @@
           <a:p>
             <a:fld id="{C557F1B9-559A-4FCE-8EA9-0CFE957C52A1}" type="datetimeFigureOut">
               <a:rPr lang="en-US" smtClean="0"/>
-              <a:t>1/4/2022</a:t>
+              <a:t>1/9/2022</a:t>
             </a:fld>
             <a:endParaRPr lang="en-US"/>
           </a:p>
@@ -969,13 +974,13 @@
   <p:clrMapOvr>
     <a:masterClrMapping/>
   </p:clrMapOvr>
-  <mc:AlternateContent xmlns:mc="http://schemas.openxmlformats.org/markup-compatibility/2006">
-    <mc:Choice xmlns:p159="http://schemas.microsoft.com/office/powerpoint/2015/09/main" Requires="p159">
+  <mc:AlternateContent xmlns:mc="http://schemas.openxmlformats.org/markup-compatibility/2006" xmlns:p159="http://schemas.microsoft.com/office/powerpoint/2015/09/main">
+    <mc:Choice Requires="p159">
       <p:transition>
         <p159:morph option="byObject"/>
       </p:transition>
     </mc:Choice>
-    <mc:Fallback>
+    <mc:Fallback xmlns="">
       <p:transition>
         <p:fade/>
       </p:transition>
@@ -1186,7 +1191,7 @@
           <a:p>
             <a:fld id="{C557F1B9-559A-4FCE-8EA9-0CFE957C52A1}" type="datetimeFigureOut">
               <a:rPr lang="en-US" smtClean="0"/>
-              <a:t>1/4/2022</a:t>
+              <a:t>1/9/2022</a:t>
             </a:fld>
             <a:endParaRPr lang="en-US"/>
           </a:p>
@@ -1256,13 +1261,13 @@
   <p:clrMapOvr>
     <a:masterClrMapping/>
   </p:clrMapOvr>
-  <mc:AlternateContent xmlns:mc="http://schemas.openxmlformats.org/markup-compatibility/2006">
-    <mc:Choice xmlns:p159="http://schemas.microsoft.com/office/powerpoint/2015/09/main" Requires="p159">
+  <mc:AlternateContent xmlns:mc="http://schemas.openxmlformats.org/markup-compatibility/2006" xmlns:p159="http://schemas.microsoft.com/office/powerpoint/2015/09/main">
+    <mc:Choice Requires="p159">
       <p:transition>
         <p159:morph option="byObject"/>
       </p:transition>
     </mc:Choice>
-    <mc:Fallback>
+    <mc:Fallback xmlns="">
       <p:transition>
         <p:fade/>
       </p:transition>
@@ -1463,7 +1468,7 @@
           <a:p>
             <a:fld id="{C557F1B9-559A-4FCE-8EA9-0CFE957C52A1}" type="datetimeFigureOut">
               <a:rPr lang="en-US" smtClean="0"/>
-              <a:t>1/4/2022</a:t>
+              <a:t>1/9/2022</a:t>
             </a:fld>
             <a:endParaRPr lang="en-US"/>
           </a:p>
@@ -1533,13 +1538,13 @@
   <p:clrMapOvr>
     <a:masterClrMapping/>
   </p:clrMapOvr>
-  <mc:AlternateContent xmlns:mc="http://schemas.openxmlformats.org/markup-compatibility/2006">
-    <mc:Choice xmlns:p159="http://schemas.microsoft.com/office/powerpoint/2015/09/main" Requires="p159">
+  <mc:AlternateContent xmlns:mc="http://schemas.openxmlformats.org/markup-compatibility/2006" xmlns:p159="http://schemas.microsoft.com/office/powerpoint/2015/09/main">
+    <mc:Choice Requires="p159">
       <p:transition>
         <p159:morph option="byObject"/>
       </p:transition>
     </mc:Choice>
-    <mc:Fallback>
+    <mc:Fallback xmlns="">
       <p:transition>
         <p:fade/>
       </p:transition>
@@ -1887,7 +1892,7 @@
           <a:p>
             <a:fld id="{C557F1B9-559A-4FCE-8EA9-0CFE957C52A1}" type="datetimeFigureOut">
               <a:rPr lang="en-US" smtClean="0"/>
-              <a:t>1/4/2022</a:t>
+              <a:t>1/9/2022</a:t>
             </a:fld>
             <a:endParaRPr lang="en-US"/>
           </a:p>
@@ -1957,13 +1962,13 @@
   <p:clrMapOvr>
     <a:masterClrMapping/>
   </p:clrMapOvr>
-  <mc:AlternateContent xmlns:mc="http://schemas.openxmlformats.org/markup-compatibility/2006">
-    <mc:Choice xmlns:p159="http://schemas.microsoft.com/office/powerpoint/2015/09/main" Requires="p159">
+  <mc:AlternateContent xmlns:mc="http://schemas.openxmlformats.org/markup-compatibility/2006" xmlns:p159="http://schemas.microsoft.com/office/powerpoint/2015/09/main">
+    <mc:Choice Requires="p159">
       <p:transition>
         <p159:morph option="byObject"/>
       </p:transition>
     </mc:Choice>
-    <mc:Fallback>
+    <mc:Fallback xmlns="">
       <p:transition>
         <p:fade/>
       </p:transition>
@@ -2040,7 +2045,7 @@
           <a:p>
             <a:fld id="{C557F1B9-559A-4FCE-8EA9-0CFE957C52A1}" type="datetimeFigureOut">
               <a:rPr lang="en-US" smtClean="0"/>
-              <a:t>1/4/2022</a:t>
+              <a:t>1/9/2022</a:t>
             </a:fld>
             <a:endParaRPr lang="en-US"/>
           </a:p>
@@ -2110,13 +2115,13 @@
   <p:clrMapOvr>
     <a:masterClrMapping/>
   </p:clrMapOvr>
-  <mc:AlternateContent xmlns:mc="http://schemas.openxmlformats.org/markup-compatibility/2006">
-    <mc:Choice xmlns:p159="http://schemas.microsoft.com/office/powerpoint/2015/09/main" Requires="p159">
+  <mc:AlternateContent xmlns:mc="http://schemas.openxmlformats.org/markup-compatibility/2006" xmlns:p159="http://schemas.microsoft.com/office/powerpoint/2015/09/main">
+    <mc:Choice Requires="p159">
       <p:transition>
         <p159:morph option="byObject"/>
       </p:transition>
     </mc:Choice>
-    <mc:Fallback>
+    <mc:Fallback xmlns="">
       <p:transition>
         <p:fade/>
       </p:transition>
@@ -2165,7 +2170,7 @@
           <a:p>
             <a:fld id="{C557F1B9-559A-4FCE-8EA9-0CFE957C52A1}" type="datetimeFigureOut">
               <a:rPr lang="en-US" smtClean="0"/>
-              <a:t>1/4/2022</a:t>
+              <a:t>1/9/2022</a:t>
             </a:fld>
             <a:endParaRPr lang="en-US"/>
           </a:p>
@@ -2235,13 +2240,13 @@
   <p:clrMapOvr>
     <a:masterClrMapping/>
   </p:clrMapOvr>
-  <mc:AlternateContent xmlns:mc="http://schemas.openxmlformats.org/markup-compatibility/2006">
-    <mc:Choice xmlns:p159="http://schemas.microsoft.com/office/powerpoint/2015/09/main" Requires="p159">
+  <mc:AlternateContent xmlns:mc="http://schemas.openxmlformats.org/markup-compatibility/2006" xmlns:p159="http://schemas.microsoft.com/office/powerpoint/2015/09/main">
+    <mc:Choice Requires="p159">
       <p:transition>
         <p159:morph option="byObject"/>
       </p:transition>
     </mc:Choice>
-    <mc:Fallback>
+    <mc:Fallback xmlns="">
       <p:transition>
         <p:fade/>
       </p:transition>
@@ -2488,7 +2493,7 @@
           <a:p>
             <a:fld id="{C557F1B9-559A-4FCE-8EA9-0CFE957C52A1}" type="datetimeFigureOut">
               <a:rPr lang="en-US" smtClean="0"/>
-              <a:t>1/4/2022</a:t>
+              <a:t>1/9/2022</a:t>
             </a:fld>
             <a:endParaRPr lang="en-US"/>
           </a:p>
@@ -2558,13 +2563,13 @@
   <p:clrMapOvr>
     <a:masterClrMapping/>
   </p:clrMapOvr>
-  <mc:AlternateContent xmlns:mc="http://schemas.openxmlformats.org/markup-compatibility/2006">
-    <mc:Choice xmlns:p159="http://schemas.microsoft.com/office/powerpoint/2015/09/main" Requires="p159">
+  <mc:AlternateContent xmlns:mc="http://schemas.openxmlformats.org/markup-compatibility/2006" xmlns:p159="http://schemas.microsoft.com/office/powerpoint/2015/09/main">
+    <mc:Choice Requires="p159">
       <p:transition>
         <p159:morph option="byObject"/>
       </p:transition>
     </mc:Choice>
-    <mc:Fallback>
+    <mc:Fallback xmlns="">
       <p:transition>
         <p:fade/>
       </p:transition>
@@ -2788,7 +2793,7 @@
           <a:p>
             <a:fld id="{C557F1B9-559A-4FCE-8EA9-0CFE957C52A1}" type="datetimeFigureOut">
               <a:rPr lang="en-US" smtClean="0"/>
-              <a:t>1/4/2022</a:t>
+              <a:t>1/9/2022</a:t>
             </a:fld>
             <a:endParaRPr lang="en-US"/>
           </a:p>
@@ -2858,13 +2863,13 @@
   <p:clrMapOvr>
     <a:masterClrMapping/>
   </p:clrMapOvr>
-  <mc:AlternateContent xmlns:mc="http://schemas.openxmlformats.org/markup-compatibility/2006">
-    <mc:Choice xmlns:p159="http://schemas.microsoft.com/office/powerpoint/2015/09/main" Requires="p159">
+  <mc:AlternateContent xmlns:mc="http://schemas.openxmlformats.org/markup-compatibility/2006" xmlns:p159="http://schemas.microsoft.com/office/powerpoint/2015/09/main">
+    <mc:Choice Requires="p159">
       <p:transition>
         <p159:morph option="byObject"/>
       </p:transition>
     </mc:Choice>
-    <mc:Fallback>
+    <mc:Fallback xmlns="">
       <p:transition>
         <p:fade/>
       </p:transition>
@@ -3041,7 +3046,7 @@
           <a:p>
             <a:fld id="{C557F1B9-559A-4FCE-8EA9-0CFE957C52A1}" type="datetimeFigureOut">
               <a:rPr lang="en-US" smtClean="0"/>
-              <a:t>1/4/2022</a:t>
+              <a:t>1/9/2022</a:t>
             </a:fld>
             <a:endParaRPr lang="en-US"/>
           </a:p>
@@ -3158,13 +3163,13 @@
     <p:sldLayoutId id="2147483658" r:id="rId10"/>
     <p:sldLayoutId id="2147483659" r:id="rId11"/>
   </p:sldLayoutIdLst>
-  <mc:AlternateContent xmlns:mc="http://schemas.openxmlformats.org/markup-compatibility/2006">
-    <mc:Choice xmlns:p159="http://schemas.microsoft.com/office/powerpoint/2015/09/main" Requires="p159">
+  <mc:AlternateContent xmlns:mc="http://schemas.openxmlformats.org/markup-compatibility/2006" xmlns:p159="http://schemas.microsoft.com/office/powerpoint/2015/09/main">
+    <mc:Choice Requires="p159">
       <p:transition>
         <p159:morph option="byObject"/>
       </p:transition>
     </mc:Choice>
-    <mc:Fallback>
+    <mc:Fallback xmlns="">
       <p:transition>
         <p:fade/>
       </p:transition>
@@ -3526,6 +3531,100 @@
           </a:p>
         </p:txBody>
       </p:sp>
+      <p:pic>
+        <p:nvPicPr>
+          <p:cNvPr id="1026" name="Picture 2" descr="Objects Exchange Icon | IconExperience - Professional Icons » O-Collection">
+            <a:extLst>
+              <a:ext uri="{FF2B5EF4-FFF2-40B4-BE49-F238E27FC236}">
+                <a16:creationId xmlns:a16="http://schemas.microsoft.com/office/drawing/2014/main" id="{C7CFA3AA-0BF3-4410-A845-318E830EED69}"/>
+              </a:ext>
+            </a:extLst>
+          </p:cNvPr>
+          <p:cNvPicPr>
+            <a:picLocks noChangeAspect="1" noChangeArrowheads="1"/>
+          </p:cNvPicPr>
+          <p:nvPr/>
+        </p:nvPicPr>
+        <p:blipFill>
+          <a:blip r:embed="rId2">
+            <a:extLst>
+              <a:ext uri="{28A0092B-C50C-407E-A947-70E740481C1C}">
+                <a14:useLocalDpi xmlns:a14="http://schemas.microsoft.com/office/drawing/2010/main" val="0"/>
+              </a:ext>
+            </a:extLst>
+          </a:blip>
+          <a:srcRect/>
+          <a:stretch>
+            <a:fillRect/>
+          </a:stretch>
+        </p:blipFill>
+        <p:spPr bwMode="auto">
+          <a:xfrm>
+            <a:off x="143838" y="112159"/>
+            <a:ext cx="2519363" cy="2519363"/>
+          </a:xfrm>
+          <a:prstGeom prst="rect">
+            <a:avLst/>
+          </a:prstGeom>
+          <a:noFill/>
+          <a:extLst>
+            <a:ext uri="{909E8E84-426E-40DD-AFC4-6F175D3DCCD1}">
+              <a14:hiddenFill xmlns:a14="http://schemas.microsoft.com/office/drawing/2010/main">
+                <a:solidFill>
+                  <a:srgbClr val="FFFFFF"/>
+                </a:solidFill>
+              </a14:hiddenFill>
+            </a:ext>
+          </a:extLst>
+        </p:spPr>
+      </p:pic>
+      <p:pic>
+        <p:nvPicPr>
+          <p:cNvPr id="5" name="Picture 2" descr="Objects Exchange Icon | IconExperience - Professional Icons » O-Collection">
+            <a:extLst>
+              <a:ext uri="{FF2B5EF4-FFF2-40B4-BE49-F238E27FC236}">
+                <a16:creationId xmlns:a16="http://schemas.microsoft.com/office/drawing/2014/main" id="{C781100A-E790-475A-8B04-C43EDE9E8644}"/>
+              </a:ext>
+            </a:extLst>
+          </p:cNvPr>
+          <p:cNvPicPr>
+            <a:picLocks noChangeAspect="1" noChangeArrowheads="1"/>
+          </p:cNvPicPr>
+          <p:nvPr/>
+        </p:nvPicPr>
+        <p:blipFill>
+          <a:blip r:embed="rId2">
+            <a:extLst>
+              <a:ext uri="{28A0092B-C50C-407E-A947-70E740481C1C}">
+                <a14:useLocalDpi xmlns:a14="http://schemas.microsoft.com/office/drawing/2010/main" val="0"/>
+              </a:ext>
+            </a:extLst>
+          </a:blip>
+          <a:srcRect/>
+          <a:stretch>
+            <a:fillRect/>
+          </a:stretch>
+        </p:blipFill>
+        <p:spPr bwMode="auto">
+          <a:xfrm>
+            <a:off x="9512157" y="4245795"/>
+            <a:ext cx="2519363" cy="2519363"/>
+          </a:xfrm>
+          <a:prstGeom prst="rect">
+            <a:avLst/>
+          </a:prstGeom>
+          <a:noFill/>
+          <a:extLst>
+            <a:ext uri="{909E8E84-426E-40DD-AFC4-6F175D3DCCD1}">
+              <a14:hiddenFill xmlns:a14="http://schemas.microsoft.com/office/drawing/2010/main">
+                <a:solidFill>
+                  <a:srgbClr val="FFFFFF"/>
+                </a:solidFill>
+              </a14:hiddenFill>
+            </a:ext>
+          </a:extLst>
+        </p:spPr>
+      </p:pic>
     </p:spTree>
     <p:extLst>
       <p:ext uri="{BB962C8B-B14F-4D97-AF65-F5344CB8AC3E}">
@@ -3536,13 +3635,13 @@
   <p:clrMapOvr>
     <a:masterClrMapping/>
   </p:clrMapOvr>
-  <mc:AlternateContent xmlns:mc="http://schemas.openxmlformats.org/markup-compatibility/2006">
-    <mc:Choice xmlns:p159="http://schemas.microsoft.com/office/powerpoint/2015/09/main" Requires="p159">
+  <mc:AlternateContent xmlns:mc="http://schemas.openxmlformats.org/markup-compatibility/2006" xmlns:p159="http://schemas.microsoft.com/office/powerpoint/2015/09/main">
+    <mc:Choice Requires="p159">
       <p:transition>
         <p159:morph option="byObject"/>
       </p:transition>
     </mc:Choice>
-    <mc:Fallback>
+    <mc:Fallback xmlns="">
       <p:transition>
         <p:fade/>
       </p:transition>
@@ -3643,6 +3742,53 @@
           </a:p>
         </p:txBody>
       </p:sp>
+      <p:pic>
+        <p:nvPicPr>
+          <p:cNvPr id="4" name="Picture 2" descr="Objects Exchange Icon | IconExperience - Professional Icons » O-Collection">
+            <a:extLst>
+              <a:ext uri="{FF2B5EF4-FFF2-40B4-BE49-F238E27FC236}">
+                <a16:creationId xmlns:a16="http://schemas.microsoft.com/office/drawing/2014/main" id="{6A83D03A-837A-4CE3-9D26-90FB6CB454BA}"/>
+              </a:ext>
+            </a:extLst>
+          </p:cNvPr>
+          <p:cNvPicPr>
+            <a:picLocks noChangeAspect="1" noChangeArrowheads="1"/>
+          </p:cNvPicPr>
+          <p:nvPr/>
+        </p:nvPicPr>
+        <p:blipFill>
+          <a:blip r:embed="rId2">
+            <a:extLst>
+              <a:ext uri="{28A0092B-C50C-407E-A947-70E740481C1C}">
+                <a14:useLocalDpi xmlns:a14="http://schemas.microsoft.com/office/drawing/2010/main" val="0"/>
+              </a:ext>
+            </a:extLst>
+          </a:blip>
+          <a:srcRect/>
+          <a:stretch>
+            <a:fillRect/>
+          </a:stretch>
+        </p:blipFill>
+        <p:spPr bwMode="auto">
+          <a:xfrm>
+            <a:off x="10470454" y="47429"/>
+            <a:ext cx="1643259" cy="1643259"/>
+          </a:xfrm>
+          <a:prstGeom prst="rect">
+            <a:avLst/>
+          </a:prstGeom>
+          <a:noFill/>
+          <a:extLst>
+            <a:ext uri="{909E8E84-426E-40DD-AFC4-6F175D3DCCD1}">
+              <a14:hiddenFill xmlns:a14="http://schemas.microsoft.com/office/drawing/2010/main">
+                <a:solidFill>
+                  <a:srgbClr val="FFFFFF"/>
+                </a:solidFill>
+              </a14:hiddenFill>
+            </a:ext>
+          </a:extLst>
+        </p:spPr>
+      </p:pic>
     </p:spTree>
     <p:extLst>
       <p:ext uri="{BB962C8B-B14F-4D97-AF65-F5344CB8AC3E}">
@@ -3653,13 +3799,13 @@
   <p:clrMapOvr>
     <a:masterClrMapping/>
   </p:clrMapOvr>
-  <mc:AlternateContent xmlns:mc="http://schemas.openxmlformats.org/markup-compatibility/2006">
-    <mc:Choice xmlns:p159="http://schemas.microsoft.com/office/powerpoint/2015/09/main" Requires="p159">
+  <mc:AlternateContent xmlns:mc="http://schemas.openxmlformats.org/markup-compatibility/2006" xmlns:p159="http://schemas.microsoft.com/office/powerpoint/2015/09/main">
+    <mc:Choice Requires="p159">
       <p:transition>
         <p159:morph option="byObject"/>
       </p:transition>
     </mc:Choice>
-    <mc:Fallback>
+    <mc:Fallback xmlns="">
       <p:transition>
         <p:fade/>
       </p:transition>
@@ -3714,8 +3860,8 @@
           </a:p>
         </p:txBody>
       </p:sp>
-      <mc:AlternateContent xmlns:mc="http://schemas.openxmlformats.org/markup-compatibility/2006">
-        <mc:Choice xmlns:a14="http://schemas.microsoft.com/office/drawing/2010/main" Requires="a14">
+      <mc:AlternateContent xmlns:mc="http://schemas.openxmlformats.org/markup-compatibility/2006" xmlns:a14="http://schemas.microsoft.com/office/drawing/2010/main">
+        <mc:Choice Requires="a14">
           <p:sp>
             <p:nvSpPr>
               <p:cNvPr id="3" name="Content Placeholder 2">
@@ -3845,7 +3991,7 @@
             </p:txBody>
           </p:sp>
         </mc:Choice>
-        <mc:Fallback>
+        <mc:Fallback xmlns="">
           <p:sp>
             <p:nvSpPr>
               <p:cNvPr id="3" name="Content Placeholder 2">
@@ -3885,6 +4031,53 @@
           </p:sp>
         </mc:Fallback>
       </mc:AlternateContent>
+      <p:pic>
+        <p:nvPicPr>
+          <p:cNvPr id="4" name="Picture 2" descr="Objects Exchange Icon | IconExperience - Professional Icons » O-Collection">
+            <a:extLst>
+              <a:ext uri="{FF2B5EF4-FFF2-40B4-BE49-F238E27FC236}">
+                <a16:creationId xmlns:a16="http://schemas.microsoft.com/office/drawing/2014/main" id="{C2A68C56-5C4A-40D9-BCDF-3A3AA1A56010}"/>
+              </a:ext>
+            </a:extLst>
+          </p:cNvPr>
+          <p:cNvPicPr>
+            <a:picLocks noChangeAspect="1" noChangeArrowheads="1"/>
+          </p:cNvPicPr>
+          <p:nvPr/>
+        </p:nvPicPr>
+        <p:blipFill>
+          <a:blip r:embed="rId3">
+            <a:extLst>
+              <a:ext uri="{28A0092B-C50C-407E-A947-70E740481C1C}">
+                <a14:useLocalDpi xmlns:a14="http://schemas.microsoft.com/office/drawing/2010/main" val="0"/>
+              </a:ext>
+            </a:extLst>
+          </a:blip>
+          <a:srcRect/>
+          <a:stretch>
+            <a:fillRect/>
+          </a:stretch>
+        </p:blipFill>
+        <p:spPr bwMode="auto">
+          <a:xfrm>
+            <a:off x="10470454" y="47429"/>
+            <a:ext cx="1643259" cy="1643259"/>
+          </a:xfrm>
+          <a:prstGeom prst="rect">
+            <a:avLst/>
+          </a:prstGeom>
+          <a:noFill/>
+          <a:extLst>
+            <a:ext uri="{909E8E84-426E-40DD-AFC4-6F175D3DCCD1}">
+              <a14:hiddenFill xmlns:a14="http://schemas.microsoft.com/office/drawing/2010/main">
+                <a:solidFill>
+                  <a:srgbClr val="FFFFFF"/>
+                </a:solidFill>
+              </a14:hiddenFill>
+            </a:ext>
+          </a:extLst>
+        </p:spPr>
+      </p:pic>
     </p:spTree>
     <p:extLst>
       <p:ext uri="{BB962C8B-B14F-4D97-AF65-F5344CB8AC3E}">
@@ -3895,13 +4088,13 @@
   <p:clrMapOvr>
     <a:masterClrMapping/>
   </p:clrMapOvr>
-  <mc:AlternateContent xmlns:mc="http://schemas.openxmlformats.org/markup-compatibility/2006">
-    <mc:Choice xmlns:p159="http://schemas.microsoft.com/office/powerpoint/2015/09/main" Requires="p159">
+  <mc:AlternateContent xmlns:mc="http://schemas.openxmlformats.org/markup-compatibility/2006" xmlns:p159="http://schemas.microsoft.com/office/powerpoint/2015/09/main">
+    <mc:Choice Requires="p159">
       <p:transition>
         <p159:morph option="byObject"/>
       </p:transition>
     </mc:Choice>
-    <mc:Fallback>
+    <mc:Fallback xmlns="">
       <p:transition>
         <p:fade/>
       </p:transition>
@@ -3960,8 +4153,8 @@
           </a:p>
         </p:txBody>
       </p:sp>
-      <mc:AlternateContent xmlns:mc="http://schemas.openxmlformats.org/markup-compatibility/2006">
-        <mc:Choice xmlns:a14="http://schemas.microsoft.com/office/drawing/2010/main" Requires="a14">
+      <mc:AlternateContent xmlns:mc="http://schemas.openxmlformats.org/markup-compatibility/2006" xmlns:a14="http://schemas.microsoft.com/office/drawing/2010/main">
+        <mc:Choice Requires="a14">
           <p:sp>
             <p:nvSpPr>
               <p:cNvPr id="5" name="Content Placeholder 2">
@@ -4296,7 +4489,7 @@
             </p:txBody>
           </p:sp>
         </mc:Choice>
-        <mc:Fallback>
+        <mc:Fallback xmlns="">
           <p:sp>
             <p:nvSpPr>
               <p:cNvPr id="5" name="Content Placeholder 2">
@@ -4862,6 +5055,53 @@
           </a:p>
         </p:txBody>
       </p:sp>
+      <p:pic>
+        <p:nvPicPr>
+          <p:cNvPr id="20" name="Picture 2" descr="Objects Exchange Icon | IconExperience - Professional Icons » O-Collection">
+            <a:extLst>
+              <a:ext uri="{FF2B5EF4-FFF2-40B4-BE49-F238E27FC236}">
+                <a16:creationId xmlns:a16="http://schemas.microsoft.com/office/drawing/2014/main" id="{2A463079-03F8-4D4C-92E8-4754F817019A}"/>
+              </a:ext>
+            </a:extLst>
+          </p:cNvPr>
+          <p:cNvPicPr>
+            <a:picLocks noChangeAspect="1" noChangeArrowheads="1"/>
+          </p:cNvPicPr>
+          <p:nvPr/>
+        </p:nvPicPr>
+        <p:blipFill>
+          <a:blip r:embed="rId3">
+            <a:extLst>
+              <a:ext uri="{28A0092B-C50C-407E-A947-70E740481C1C}">
+                <a14:useLocalDpi xmlns:a14="http://schemas.microsoft.com/office/drawing/2010/main" val="0"/>
+              </a:ext>
+            </a:extLst>
+          </a:blip>
+          <a:srcRect/>
+          <a:stretch>
+            <a:fillRect/>
+          </a:stretch>
+        </p:blipFill>
+        <p:spPr bwMode="auto">
+          <a:xfrm>
+            <a:off x="10470454" y="47429"/>
+            <a:ext cx="1643259" cy="1643259"/>
+          </a:xfrm>
+          <a:prstGeom prst="rect">
+            <a:avLst/>
+          </a:prstGeom>
+          <a:noFill/>
+          <a:extLst>
+            <a:ext uri="{909E8E84-426E-40DD-AFC4-6F175D3DCCD1}">
+              <a14:hiddenFill xmlns:a14="http://schemas.microsoft.com/office/drawing/2010/main">
+                <a:solidFill>
+                  <a:srgbClr val="FFFFFF"/>
+                </a:solidFill>
+              </a14:hiddenFill>
+            </a:ext>
+          </a:extLst>
+        </p:spPr>
+      </p:pic>
     </p:spTree>
     <p:extLst>
       <p:ext uri="{BB962C8B-B14F-4D97-AF65-F5344CB8AC3E}">
@@ -4872,13 +5112,13 @@
   <p:clrMapOvr>
     <a:masterClrMapping/>
   </p:clrMapOvr>
-  <mc:AlternateContent xmlns:mc="http://schemas.openxmlformats.org/markup-compatibility/2006">
-    <mc:Choice xmlns:p159="http://schemas.microsoft.com/office/powerpoint/2015/09/main" Requires="p159">
+  <mc:AlternateContent xmlns:mc="http://schemas.openxmlformats.org/markup-compatibility/2006" xmlns:p159="http://schemas.microsoft.com/office/powerpoint/2015/09/main">
+    <mc:Choice Requires="p159">
       <p:transition>
         <p159:morph option="byObject"/>
       </p:transition>
     </mc:Choice>
-    <mc:Fallback>
+    <mc:Fallback xmlns="">
       <p:transition>
         <p:fade/>
       </p:transition>
@@ -5617,8 +5857,8 @@
           </a:p>
         </p:txBody>
       </p:sp>
-      <mc:AlternateContent xmlns:mc="http://schemas.openxmlformats.org/markup-compatibility/2006">
-        <mc:Choice xmlns:a14="http://schemas.microsoft.com/office/drawing/2010/main" Requires="a14">
+      <mc:AlternateContent xmlns:mc="http://schemas.openxmlformats.org/markup-compatibility/2006" xmlns:a14="http://schemas.microsoft.com/office/drawing/2010/main">
+        <mc:Choice Requires="a14">
           <p:sp>
             <p:nvSpPr>
               <p:cNvPr id="5" name="Content Placeholder 2">
@@ -5977,7 +6217,7 @@
             </p:txBody>
           </p:sp>
         </mc:Choice>
-        <mc:Fallback>
+        <mc:Fallback xmlns="">
           <p:sp>
             <p:nvSpPr>
               <p:cNvPr id="5" name="Content Placeholder 2">
@@ -6557,6 +6797,53 @@
           </a:p>
         </p:txBody>
       </p:sp>
+      <p:pic>
+        <p:nvPicPr>
+          <p:cNvPr id="20" name="Picture 2" descr="Objects Exchange Icon | IconExperience - Professional Icons » O-Collection">
+            <a:extLst>
+              <a:ext uri="{FF2B5EF4-FFF2-40B4-BE49-F238E27FC236}">
+                <a16:creationId xmlns:a16="http://schemas.microsoft.com/office/drawing/2014/main" id="{D6534945-6014-45BE-959C-E63AEA179C89}"/>
+              </a:ext>
+            </a:extLst>
+          </p:cNvPr>
+          <p:cNvPicPr>
+            <a:picLocks noChangeAspect="1" noChangeArrowheads="1"/>
+          </p:cNvPicPr>
+          <p:nvPr/>
+        </p:nvPicPr>
+        <p:blipFill>
+          <a:blip r:embed="rId3">
+            <a:extLst>
+              <a:ext uri="{28A0092B-C50C-407E-A947-70E740481C1C}">
+                <a14:useLocalDpi xmlns:a14="http://schemas.microsoft.com/office/drawing/2010/main" val="0"/>
+              </a:ext>
+            </a:extLst>
+          </a:blip>
+          <a:srcRect/>
+          <a:stretch>
+            <a:fillRect/>
+          </a:stretch>
+        </p:blipFill>
+        <p:spPr bwMode="auto">
+          <a:xfrm>
+            <a:off x="10470454" y="47429"/>
+            <a:ext cx="1643259" cy="1643259"/>
+          </a:xfrm>
+          <a:prstGeom prst="rect">
+            <a:avLst/>
+          </a:prstGeom>
+          <a:noFill/>
+          <a:extLst>
+            <a:ext uri="{909E8E84-426E-40DD-AFC4-6F175D3DCCD1}">
+              <a14:hiddenFill xmlns:a14="http://schemas.microsoft.com/office/drawing/2010/main">
+                <a:solidFill>
+                  <a:srgbClr val="FFFFFF"/>
+                </a:solidFill>
+              </a14:hiddenFill>
+            </a:ext>
+          </a:extLst>
+        </p:spPr>
+      </p:pic>
     </p:spTree>
     <p:extLst>
       <p:ext uri="{BB962C8B-B14F-4D97-AF65-F5344CB8AC3E}">
@@ -6567,13 +6854,13 @@
   <p:clrMapOvr>
     <a:masterClrMapping/>
   </p:clrMapOvr>
-  <mc:AlternateContent xmlns:mc="http://schemas.openxmlformats.org/markup-compatibility/2006">
-    <mc:Choice xmlns:p159="http://schemas.microsoft.com/office/powerpoint/2015/09/main" Requires="p159">
+  <mc:AlternateContent xmlns:mc="http://schemas.openxmlformats.org/markup-compatibility/2006" xmlns:p159="http://schemas.microsoft.com/office/powerpoint/2015/09/main">
+    <mc:Choice Requires="p159">
       <p:transition>
         <p159:morph option="byObject"/>
       </p:transition>
     </mc:Choice>
-    <mc:Fallback>
+    <mc:Fallback xmlns="">
       <p:transition>
         <p:fade/>
       </p:transition>
